--- a/AlgoInvest trade.pptx
+++ b/AlgoInvest trade.pptx
@@ -860,7 +860,7 @@
           <a:noFill/>
           <a:extLst>
             <a:ext uri="{909E8E84-426E-40dd-AFC4-6F175D3DCCD1}">
-              <a14:hiddenFill xmlns="" xmlns:a14="http://schemas.microsoft.com/office/drawing/2010/main">
+              <a14:hiddenFill xmlns:a14="http://schemas.microsoft.com/office/drawing/2010/main" xmlns="">
                 <a:solidFill>
                   <a:srgbClr val="FFFFFF"/>
                 </a:solidFill>
@@ -920,7 +920,7 @@
             </a:ln>
             <a:extLst>
               <a:ext uri="{91240B29-F687-4f45-9708-019B960494DF}">
-                <a14:hiddenLine xmlns="" xmlns:a14="http://schemas.microsoft.com/office/drawing/2010/main" w="9525">
+                <a14:hiddenLine xmlns:a14="http://schemas.microsoft.com/office/drawing/2010/main" xmlns="" w="9525">
                   <a:solidFill>
                     <a:srgbClr val="000000"/>
                   </a:solidFill>
@@ -1010,7 +1010,7 @@
             </a:ln>
             <a:extLst>
               <a:ext uri="{91240B29-F687-4f45-9708-019B960494DF}">
-                <a14:hiddenLine xmlns="" xmlns:a14="http://schemas.microsoft.com/office/drawing/2010/main" w="9525">
+                <a14:hiddenLine xmlns:a14="http://schemas.microsoft.com/office/drawing/2010/main" xmlns="" w="9525">
                   <a:solidFill>
                     <a:srgbClr val="000000"/>
                   </a:solidFill>
@@ -1100,7 +1100,7 @@
             </a:ln>
             <a:extLst>
               <a:ext uri="{91240B29-F687-4f45-9708-019B960494DF}">
-                <a14:hiddenLine xmlns="" xmlns:a14="http://schemas.microsoft.com/office/drawing/2010/main" w="9525">
+                <a14:hiddenLine xmlns:a14="http://schemas.microsoft.com/office/drawing/2010/main" xmlns="" w="9525">
                   <a:solidFill>
                     <a:srgbClr val="000000"/>
                   </a:solidFill>
@@ -1134,7 +1134,7 @@
             </a:ln>
             <a:extLst>
               <a:ext uri="{91240B29-F687-4f45-9708-019B960494DF}">
-                <a14:hiddenLine xmlns="" xmlns:a14="http://schemas.microsoft.com/office/drawing/2010/main" w="9525">
+                <a14:hiddenLine xmlns:a14="http://schemas.microsoft.com/office/drawing/2010/main" xmlns="" w="9525">
                   <a:solidFill>
                     <a:srgbClr val="000000"/>
                   </a:solidFill>
@@ -1224,7 +1224,7 @@
             </a:ln>
             <a:extLst>
               <a:ext uri="{91240B29-F687-4f45-9708-019B960494DF}">
-                <a14:hiddenLine xmlns="" xmlns:a14="http://schemas.microsoft.com/office/drawing/2010/main" w="9525">
+                <a14:hiddenLine xmlns:a14="http://schemas.microsoft.com/office/drawing/2010/main" xmlns="" w="9525">
                   <a:solidFill>
                     <a:srgbClr val="000000"/>
                   </a:solidFill>
@@ -1286,7 +1286,7 @@
             </a:ln>
             <a:extLst>
               <a:ext uri="{91240B29-F687-4f45-9708-019B960494DF}">
-                <a14:hiddenLine xmlns="" xmlns:a14="http://schemas.microsoft.com/office/drawing/2010/main" w="9525">
+                <a14:hiddenLine xmlns:a14="http://schemas.microsoft.com/office/drawing/2010/main" xmlns="" w="9525">
                   <a:solidFill>
                     <a:srgbClr val="000000"/>
                   </a:solidFill>
@@ -1348,7 +1348,7 @@
             </a:ln>
             <a:extLst>
               <a:ext uri="{91240B29-F687-4f45-9708-019B960494DF}">
-                <a14:hiddenLine xmlns="" xmlns:a14="http://schemas.microsoft.com/office/drawing/2010/main" w="9525">
+                <a14:hiddenLine xmlns:a14="http://schemas.microsoft.com/office/drawing/2010/main" xmlns="" w="9525">
                   <a:solidFill>
                     <a:srgbClr val="000000"/>
                   </a:solidFill>
@@ -1438,7 +1438,7 @@
             </a:ln>
             <a:extLst>
               <a:ext uri="{91240B29-F687-4f45-9708-019B960494DF}">
-                <a14:hiddenLine xmlns="" xmlns:a14="http://schemas.microsoft.com/office/drawing/2010/main" w="9525">
+                <a14:hiddenLine xmlns:a14="http://schemas.microsoft.com/office/drawing/2010/main" xmlns="" w="9525">
                   <a:solidFill>
                     <a:srgbClr val="000000"/>
                   </a:solidFill>
@@ -1500,7 +1500,7 @@
             </a:ln>
             <a:extLst>
               <a:ext uri="{91240B29-F687-4f45-9708-019B960494DF}">
-                <a14:hiddenLine xmlns="" xmlns:a14="http://schemas.microsoft.com/office/drawing/2010/main" w="9525">
+                <a14:hiddenLine xmlns:a14="http://schemas.microsoft.com/office/drawing/2010/main" xmlns="" w="9525">
                   <a:solidFill>
                     <a:srgbClr val="000000"/>
                   </a:solidFill>
@@ -1562,7 +1562,7 @@
             </a:ln>
             <a:extLst>
               <a:ext uri="{91240B29-F687-4f45-9708-019B960494DF}">
-                <a14:hiddenLine xmlns="" xmlns:a14="http://schemas.microsoft.com/office/drawing/2010/main" w="9525">
+                <a14:hiddenLine xmlns:a14="http://schemas.microsoft.com/office/drawing/2010/main" xmlns="" w="9525">
                   <a:solidFill>
                     <a:srgbClr val="000000"/>
                   </a:solidFill>
@@ -1652,7 +1652,7 @@
             </a:ln>
             <a:extLst>
               <a:ext uri="{91240B29-F687-4f45-9708-019B960494DF}">
-                <a14:hiddenLine xmlns="" xmlns:a14="http://schemas.microsoft.com/office/drawing/2010/main" w="9525">
+                <a14:hiddenLine xmlns:a14="http://schemas.microsoft.com/office/drawing/2010/main" xmlns="" w="9525">
                   <a:solidFill>
                     <a:srgbClr val="000000"/>
                   </a:solidFill>
@@ -1742,7 +1742,7 @@
             </a:ln>
             <a:extLst>
               <a:ext uri="{91240B29-F687-4f45-9708-019B960494DF}">
-                <a14:hiddenLine xmlns="" xmlns:a14="http://schemas.microsoft.com/office/drawing/2010/main" w="9525">
+                <a14:hiddenLine xmlns:a14="http://schemas.microsoft.com/office/drawing/2010/main" xmlns="" w="9525">
                   <a:solidFill>
                     <a:srgbClr val="000000"/>
                   </a:solidFill>
@@ -1804,7 +1804,7 @@
             </a:ln>
             <a:extLst>
               <a:ext uri="{91240B29-F687-4f45-9708-019B960494DF}">
-                <a14:hiddenLine xmlns="" xmlns:a14="http://schemas.microsoft.com/office/drawing/2010/main" w="9525">
+                <a14:hiddenLine xmlns:a14="http://schemas.microsoft.com/office/drawing/2010/main" xmlns="" w="9525">
                   <a:solidFill>
                     <a:srgbClr val="000000"/>
                   </a:solidFill>
@@ -1914,7 +1914,7 @@
             </a:ln>
             <a:extLst>
               <a:ext uri="{91240B29-F687-4f45-9708-019B960494DF}">
-                <a14:hiddenLine xmlns="" xmlns:a14="http://schemas.microsoft.com/office/drawing/2010/main" w="9525">
+                <a14:hiddenLine xmlns:a14="http://schemas.microsoft.com/office/drawing/2010/main" xmlns="" w="9525">
                   <a:solidFill>
                     <a:srgbClr val="000000"/>
                   </a:solidFill>
@@ -1976,7 +1976,7 @@
             </a:ln>
             <a:extLst>
               <a:ext uri="{91240B29-F687-4f45-9708-019B960494DF}">
-                <a14:hiddenLine xmlns="" xmlns:a14="http://schemas.microsoft.com/office/drawing/2010/main" w="9525">
+                <a14:hiddenLine xmlns:a14="http://schemas.microsoft.com/office/drawing/2010/main" xmlns="" w="9525">
                   <a:solidFill>
                     <a:srgbClr val="000000"/>
                   </a:solidFill>
@@ -2066,7 +2066,7 @@
             </a:ln>
             <a:extLst>
               <a:ext uri="{91240B29-F687-4f45-9708-019B960494DF}">
-                <a14:hiddenLine xmlns="" xmlns:a14="http://schemas.microsoft.com/office/drawing/2010/main" w="9525">
+                <a14:hiddenLine xmlns:a14="http://schemas.microsoft.com/office/drawing/2010/main" xmlns="" w="9525">
                   <a:solidFill>
                     <a:srgbClr val="000000"/>
                   </a:solidFill>
@@ -2156,7 +2156,7 @@
             </a:ln>
             <a:extLst>
               <a:ext uri="{91240B29-F687-4f45-9708-019B960494DF}">
-                <a14:hiddenLine xmlns="" xmlns:a14="http://schemas.microsoft.com/office/drawing/2010/main" w="9525">
+                <a14:hiddenLine xmlns:a14="http://schemas.microsoft.com/office/drawing/2010/main" xmlns="" w="9525">
                   <a:solidFill>
                     <a:srgbClr val="000000"/>
                   </a:solidFill>
@@ -2218,7 +2218,7 @@
             </a:ln>
             <a:extLst>
               <a:ext uri="{91240B29-F687-4f45-9708-019B960494DF}">
-                <a14:hiddenLine xmlns="" xmlns:a14="http://schemas.microsoft.com/office/drawing/2010/main" w="9525">
+                <a14:hiddenLine xmlns:a14="http://schemas.microsoft.com/office/drawing/2010/main" xmlns="" w="9525">
                   <a:solidFill>
                     <a:srgbClr val="000000"/>
                   </a:solidFill>
@@ -2308,7 +2308,7 @@
             </a:ln>
             <a:extLst>
               <a:ext uri="{91240B29-F687-4f45-9708-019B960494DF}">
-                <a14:hiddenLine xmlns="" xmlns:a14="http://schemas.microsoft.com/office/drawing/2010/main" w="9525">
+                <a14:hiddenLine xmlns:a14="http://schemas.microsoft.com/office/drawing/2010/main" xmlns="" w="9525">
                   <a:solidFill>
                     <a:srgbClr val="000000"/>
                   </a:solidFill>
@@ -2398,7 +2398,7 @@
             </a:ln>
             <a:extLst>
               <a:ext uri="{91240B29-F687-4f45-9708-019B960494DF}">
-                <a14:hiddenLine xmlns="" xmlns:a14="http://schemas.microsoft.com/office/drawing/2010/main" w="9525">
+                <a14:hiddenLine xmlns:a14="http://schemas.microsoft.com/office/drawing/2010/main" xmlns="" w="9525">
                   <a:solidFill>
                     <a:srgbClr val="000000"/>
                   </a:solidFill>
@@ -2454,7 +2454,7 @@
             </a:ln>
             <a:extLst>
               <a:ext uri="{91240B29-F687-4f45-9708-019B960494DF}">
-                <a14:hiddenLine xmlns="" xmlns:a14="http://schemas.microsoft.com/office/drawing/2010/main" w="9525">
+                <a14:hiddenLine xmlns:a14="http://schemas.microsoft.com/office/drawing/2010/main" xmlns="" w="9525">
                   <a:solidFill>
                     <a:srgbClr val="000000"/>
                   </a:solidFill>
@@ -2544,7 +2544,7 @@
             </a:ln>
             <a:extLst>
               <a:ext uri="{91240B29-F687-4f45-9708-019B960494DF}">
-                <a14:hiddenLine xmlns="" xmlns:a14="http://schemas.microsoft.com/office/drawing/2010/main" w="9525">
+                <a14:hiddenLine xmlns:a14="http://schemas.microsoft.com/office/drawing/2010/main" xmlns="" w="9525">
                   <a:solidFill>
                     <a:srgbClr val="000000"/>
                   </a:solidFill>
@@ -2600,7 +2600,7 @@
             </a:ln>
             <a:extLst>
               <a:ext uri="{91240B29-F687-4f45-9708-019B960494DF}">
-                <a14:hiddenLine xmlns="" xmlns:a14="http://schemas.microsoft.com/office/drawing/2010/main" w="9525">
+                <a14:hiddenLine xmlns:a14="http://schemas.microsoft.com/office/drawing/2010/main" xmlns="" w="9525">
                   <a:solidFill>
                     <a:srgbClr val="000000"/>
                   </a:solidFill>
@@ -2690,7 +2690,7 @@
             </a:ln>
             <a:extLst>
               <a:ext uri="{91240B29-F687-4f45-9708-019B960494DF}">
-                <a14:hiddenLine xmlns="" xmlns:a14="http://schemas.microsoft.com/office/drawing/2010/main" w="9525">
+                <a14:hiddenLine xmlns:a14="http://schemas.microsoft.com/office/drawing/2010/main" xmlns="" w="9525">
                   <a:solidFill>
                     <a:srgbClr val="000000"/>
                   </a:solidFill>
@@ -2758,7 +2758,7 @@
             </a:ln>
             <a:extLst>
               <a:ext uri="{91240B29-F687-4f45-9708-019B960494DF}">
-                <a14:hiddenLine xmlns="" xmlns:a14="http://schemas.microsoft.com/office/drawing/2010/main" w="9525">
+                <a14:hiddenLine xmlns:a14="http://schemas.microsoft.com/office/drawing/2010/main" xmlns="" w="9525">
                   <a:solidFill>
                     <a:srgbClr val="000000"/>
                   </a:solidFill>
@@ -2848,7 +2848,7 @@
             </a:ln>
             <a:extLst>
               <a:ext uri="{91240B29-F687-4f45-9708-019B960494DF}">
-                <a14:hiddenLine xmlns="" xmlns:a14="http://schemas.microsoft.com/office/drawing/2010/main" w="9525">
+                <a14:hiddenLine xmlns:a14="http://schemas.microsoft.com/office/drawing/2010/main" xmlns="" w="9525">
                   <a:solidFill>
                     <a:srgbClr val="000000"/>
                   </a:solidFill>
@@ -2916,7 +2916,7 @@
             </a:ln>
             <a:extLst>
               <a:ext uri="{91240B29-F687-4f45-9708-019B960494DF}">
-                <a14:hiddenLine xmlns="" xmlns:a14="http://schemas.microsoft.com/office/drawing/2010/main" w="9525">
+                <a14:hiddenLine xmlns:a14="http://schemas.microsoft.com/office/drawing/2010/main" xmlns="" w="9525">
                   <a:solidFill>
                     <a:srgbClr val="000000"/>
                   </a:solidFill>
@@ -3006,7 +3006,7 @@
             </a:ln>
             <a:extLst>
               <a:ext uri="{91240B29-F687-4f45-9708-019B960494DF}">
-                <a14:hiddenLine xmlns="" xmlns:a14="http://schemas.microsoft.com/office/drawing/2010/main" w="9525">
+                <a14:hiddenLine xmlns:a14="http://schemas.microsoft.com/office/drawing/2010/main" xmlns="" w="9525">
                   <a:solidFill>
                     <a:srgbClr val="000000"/>
                   </a:solidFill>
@@ -3040,7 +3040,7 @@
             </a:ln>
             <a:extLst>
               <a:ext uri="{91240B29-F687-4f45-9708-019B960494DF}">
-                <a14:hiddenLine xmlns="" xmlns:a14="http://schemas.microsoft.com/office/drawing/2010/main" w="9525">
+                <a14:hiddenLine xmlns:a14="http://schemas.microsoft.com/office/drawing/2010/main" xmlns="" w="9525">
                   <a:solidFill>
                     <a:srgbClr val="000000"/>
                   </a:solidFill>
@@ -3130,7 +3130,7 @@
             </a:ln>
             <a:extLst>
               <a:ext uri="{91240B29-F687-4f45-9708-019B960494DF}">
-                <a14:hiddenLine xmlns="" xmlns:a14="http://schemas.microsoft.com/office/drawing/2010/main" w="9525">
+                <a14:hiddenLine xmlns:a14="http://schemas.microsoft.com/office/drawing/2010/main" xmlns="" w="9525">
                   <a:solidFill>
                     <a:srgbClr val="000000"/>
                   </a:solidFill>
@@ -3192,7 +3192,7 @@
             </a:ln>
             <a:extLst>
               <a:ext uri="{91240B29-F687-4f45-9708-019B960494DF}">
-                <a14:hiddenLine xmlns="" xmlns:a14="http://schemas.microsoft.com/office/drawing/2010/main" w="9525">
+                <a14:hiddenLine xmlns:a14="http://schemas.microsoft.com/office/drawing/2010/main" xmlns="" w="9525">
                   <a:solidFill>
                     <a:srgbClr val="000000"/>
                   </a:solidFill>
@@ -3254,7 +3254,7 @@
             </a:ln>
             <a:extLst>
               <a:ext uri="{91240B29-F687-4f45-9708-019B960494DF}">
-                <a14:hiddenLine xmlns="" xmlns:a14="http://schemas.microsoft.com/office/drawing/2010/main" w="9525">
+                <a14:hiddenLine xmlns:a14="http://schemas.microsoft.com/office/drawing/2010/main" xmlns="" w="9525">
                   <a:solidFill>
                     <a:srgbClr val="000000"/>
                   </a:solidFill>
@@ -3344,7 +3344,7 @@
             </a:ln>
             <a:extLst>
               <a:ext uri="{91240B29-F687-4f45-9708-019B960494DF}">
-                <a14:hiddenLine xmlns="" xmlns:a14="http://schemas.microsoft.com/office/drawing/2010/main" w="9525">
+                <a14:hiddenLine xmlns:a14="http://schemas.microsoft.com/office/drawing/2010/main" xmlns="" w="9525">
                   <a:solidFill>
                     <a:srgbClr val="000000"/>
                   </a:solidFill>
@@ -3412,7 +3412,7 @@
             </a:ln>
             <a:extLst>
               <a:ext uri="{91240B29-F687-4f45-9708-019B960494DF}">
-                <a14:hiddenLine xmlns="" xmlns:a14="http://schemas.microsoft.com/office/drawing/2010/main" w="9525">
+                <a14:hiddenLine xmlns:a14="http://schemas.microsoft.com/office/drawing/2010/main" xmlns="" w="9525">
                   <a:solidFill>
                     <a:srgbClr val="000000"/>
                   </a:solidFill>
@@ -3474,7 +3474,7 @@
             </a:ln>
             <a:extLst>
               <a:ext uri="{91240B29-F687-4f45-9708-019B960494DF}">
-                <a14:hiddenLine xmlns="" xmlns:a14="http://schemas.microsoft.com/office/drawing/2010/main" w="9525">
+                <a14:hiddenLine xmlns:a14="http://schemas.microsoft.com/office/drawing/2010/main" xmlns="" w="9525">
                   <a:solidFill>
                     <a:srgbClr val="000000"/>
                   </a:solidFill>
@@ -3564,7 +3564,7 @@
             </a:ln>
             <a:extLst>
               <a:ext uri="{91240B29-F687-4f45-9708-019B960494DF}">
-                <a14:hiddenLine xmlns="" xmlns:a14="http://schemas.microsoft.com/office/drawing/2010/main" w="9525">
+                <a14:hiddenLine xmlns:a14="http://schemas.microsoft.com/office/drawing/2010/main" xmlns="" w="9525">
                   <a:solidFill>
                     <a:srgbClr val="000000"/>
                   </a:solidFill>
@@ -3626,7 +3626,7 @@
             </a:ln>
             <a:extLst>
               <a:ext uri="{91240B29-F687-4f45-9708-019B960494DF}">
-                <a14:hiddenLine xmlns="" xmlns:a14="http://schemas.microsoft.com/office/drawing/2010/main" w="9525">
+                <a14:hiddenLine xmlns:a14="http://schemas.microsoft.com/office/drawing/2010/main" xmlns="" w="9525">
                   <a:solidFill>
                     <a:srgbClr val="000000"/>
                   </a:solidFill>
@@ -3716,7 +3716,7 @@
             </a:ln>
             <a:extLst>
               <a:ext uri="{91240B29-F687-4f45-9708-019B960494DF}">
-                <a14:hiddenLine xmlns="" xmlns:a14="http://schemas.microsoft.com/office/drawing/2010/main" w="9525">
+                <a14:hiddenLine xmlns:a14="http://schemas.microsoft.com/office/drawing/2010/main" xmlns="" w="9525">
                   <a:solidFill>
                     <a:srgbClr val="000000"/>
                   </a:solidFill>
@@ -3778,7 +3778,7 @@
             </a:ln>
             <a:extLst>
               <a:ext uri="{91240B29-F687-4f45-9708-019B960494DF}">
-                <a14:hiddenLine xmlns="" xmlns:a14="http://schemas.microsoft.com/office/drawing/2010/main" w="9525">
+                <a14:hiddenLine xmlns:a14="http://schemas.microsoft.com/office/drawing/2010/main" xmlns="" w="9525">
                   <a:solidFill>
                     <a:srgbClr val="000000"/>
                   </a:solidFill>
@@ -3868,7 +3868,7 @@
             </a:ln>
             <a:extLst>
               <a:ext uri="{91240B29-F687-4f45-9708-019B960494DF}">
-                <a14:hiddenLine xmlns="" xmlns:a14="http://schemas.microsoft.com/office/drawing/2010/main" w="9525">
+                <a14:hiddenLine xmlns:a14="http://schemas.microsoft.com/office/drawing/2010/main" xmlns="" w="9525">
                   <a:solidFill>
                     <a:srgbClr val="000000"/>
                   </a:solidFill>
@@ -3902,7 +3902,7 @@
             </a:ln>
             <a:extLst>
               <a:ext uri="{91240B29-F687-4f45-9708-019B960494DF}">
-                <a14:hiddenLine xmlns="" xmlns:a14="http://schemas.microsoft.com/office/drawing/2010/main" w="9525">
+                <a14:hiddenLine xmlns:a14="http://schemas.microsoft.com/office/drawing/2010/main" xmlns="" w="9525">
                   <a:solidFill>
                     <a:srgbClr val="000000"/>
                   </a:solidFill>
@@ -3967,7 +3967,7 @@
             </a:ln>
             <a:extLst>
               <a:ext uri="{91240B29-F687-4f45-9708-019B960494DF}">
-                <a14:hiddenLine xmlns="" xmlns:a14="http://schemas.microsoft.com/office/drawing/2010/main" w="9525">
+                <a14:hiddenLine xmlns:a14="http://schemas.microsoft.com/office/drawing/2010/main" xmlns="" w="9525">
                   <a:solidFill>
                     <a:srgbClr val="000000"/>
                   </a:solidFill>
@@ -4057,7 +4057,7 @@
             </a:ln>
             <a:extLst>
               <a:ext uri="{91240B29-F687-4f45-9708-019B960494DF}">
-                <a14:hiddenLine xmlns="" xmlns:a14="http://schemas.microsoft.com/office/drawing/2010/main" w="9525">
+                <a14:hiddenLine xmlns:a14="http://schemas.microsoft.com/office/drawing/2010/main" xmlns="" w="9525">
                   <a:solidFill>
                     <a:srgbClr val="000000"/>
                   </a:solidFill>
@@ -4119,7 +4119,7 @@
             </a:ln>
             <a:extLst>
               <a:ext uri="{91240B29-F687-4f45-9708-019B960494DF}">
-                <a14:hiddenLine xmlns="" xmlns:a14="http://schemas.microsoft.com/office/drawing/2010/main" w="9525">
+                <a14:hiddenLine xmlns:a14="http://schemas.microsoft.com/office/drawing/2010/main" xmlns="" w="9525">
                   <a:solidFill>
                     <a:srgbClr val="000000"/>
                   </a:solidFill>
@@ -4209,7 +4209,7 @@
             </a:ln>
             <a:extLst>
               <a:ext uri="{91240B29-F687-4f45-9708-019B960494DF}">
-                <a14:hiddenLine xmlns="" xmlns:a14="http://schemas.microsoft.com/office/drawing/2010/main" w="9525">
+                <a14:hiddenLine xmlns:a14="http://schemas.microsoft.com/office/drawing/2010/main" xmlns="" w="9525">
                   <a:solidFill>
                     <a:srgbClr val="000000"/>
                   </a:solidFill>
@@ -4299,7 +4299,7 @@
             </a:ln>
             <a:extLst>
               <a:ext uri="{91240B29-F687-4f45-9708-019B960494DF}">
-                <a14:hiddenLine xmlns="" xmlns:a14="http://schemas.microsoft.com/office/drawing/2010/main" w="9525">
+                <a14:hiddenLine xmlns:a14="http://schemas.microsoft.com/office/drawing/2010/main" xmlns="" w="9525">
                   <a:solidFill>
                     <a:srgbClr val="000000"/>
                   </a:solidFill>
@@ -4364,7 +4364,7 @@
             </a:ln>
             <a:extLst>
               <a:ext uri="{91240B29-F687-4f45-9708-019B960494DF}">
-                <a14:hiddenLine xmlns="" xmlns:a14="http://schemas.microsoft.com/office/drawing/2010/main" w="9525">
+                <a14:hiddenLine xmlns:a14="http://schemas.microsoft.com/office/drawing/2010/main" xmlns="" w="9525">
                   <a:solidFill>
                     <a:srgbClr val="000000"/>
                   </a:solidFill>
@@ -4426,7 +4426,7 @@
             </a:ln>
             <a:extLst>
               <a:ext uri="{91240B29-F687-4f45-9708-019B960494DF}">
-                <a14:hiddenLine xmlns="" xmlns:a14="http://schemas.microsoft.com/office/drawing/2010/main" w="9525">
+                <a14:hiddenLine xmlns:a14="http://schemas.microsoft.com/office/drawing/2010/main" xmlns="" w="9525">
                   <a:solidFill>
                     <a:srgbClr val="000000"/>
                   </a:solidFill>
@@ -4516,7 +4516,7 @@
             </a:ln>
             <a:extLst>
               <a:ext uri="{91240B29-F687-4f45-9708-019B960494DF}">
-                <a14:hiddenLine xmlns="" xmlns:a14="http://schemas.microsoft.com/office/drawing/2010/main" w="9525">
+                <a14:hiddenLine xmlns:a14="http://schemas.microsoft.com/office/drawing/2010/main" xmlns="" w="9525">
                   <a:solidFill>
                     <a:srgbClr val="000000"/>
                   </a:solidFill>
@@ -4606,7 +4606,7 @@
             </a:ln>
             <a:extLst>
               <a:ext uri="{91240B29-F687-4f45-9708-019B960494DF}">
-                <a14:hiddenLine xmlns="" xmlns:a14="http://schemas.microsoft.com/office/drawing/2010/main" w="9525">
+                <a14:hiddenLine xmlns:a14="http://schemas.microsoft.com/office/drawing/2010/main" xmlns="" w="9525">
                   <a:solidFill>
                     <a:srgbClr val="000000"/>
                   </a:solidFill>
@@ -4668,7 +4668,7 @@
             </a:ln>
             <a:extLst>
               <a:ext uri="{91240B29-F687-4f45-9708-019B960494DF}">
-                <a14:hiddenLine xmlns="" xmlns:a14="http://schemas.microsoft.com/office/drawing/2010/main" w="9525">
+                <a14:hiddenLine xmlns:a14="http://schemas.microsoft.com/office/drawing/2010/main" xmlns="" w="9525">
                   <a:solidFill>
                     <a:srgbClr val="000000"/>
                   </a:solidFill>
@@ -4788,7 +4788,7 @@
             </a:ln>
             <a:extLst>
               <a:ext uri="{91240B29-F687-4f45-9708-019B960494DF}">
-                <a14:hiddenLine xmlns="" xmlns:a14="http://schemas.microsoft.com/office/drawing/2010/main" w="9525">
+                <a14:hiddenLine xmlns:a14="http://schemas.microsoft.com/office/drawing/2010/main" xmlns="" w="9525">
                   <a:solidFill>
                     <a:srgbClr val="000000"/>
                   </a:solidFill>
@@ -4856,7 +4856,7 @@
             </a:ln>
             <a:extLst>
               <a:ext uri="{91240B29-F687-4f45-9708-019B960494DF}">
-                <a14:hiddenLine xmlns="" xmlns:a14="http://schemas.microsoft.com/office/drawing/2010/main" w="9525">
+                <a14:hiddenLine xmlns:a14="http://schemas.microsoft.com/office/drawing/2010/main" xmlns="" w="9525">
                   <a:solidFill>
                     <a:srgbClr val="000000"/>
                   </a:solidFill>
@@ -4946,7 +4946,7 @@
             </a:ln>
             <a:extLst>
               <a:ext uri="{91240B29-F687-4f45-9708-019B960494DF}">
-                <a14:hiddenLine xmlns="" xmlns:a14="http://schemas.microsoft.com/office/drawing/2010/main" w="9525">
+                <a14:hiddenLine xmlns:a14="http://schemas.microsoft.com/office/drawing/2010/main" xmlns="" w="9525">
                   <a:solidFill>
                     <a:srgbClr val="000000"/>
                   </a:solidFill>
@@ -9768,7 +9768,7 @@
           <a:noFill/>
           <a:extLst>
             <a:ext uri="{909E8E84-426E-40dd-AFC4-6F175D3DCCD1}">
-              <a14:hiddenFill xmlns="" xmlns:a14="http://schemas.microsoft.com/office/drawing/2010/main">
+              <a14:hiddenFill xmlns:a14="http://schemas.microsoft.com/office/drawing/2010/main" xmlns="">
                 <a:solidFill>
                   <a:srgbClr val="FFFFFF"/>
                 </a:solidFill>
@@ -9842,7 +9842,7 @@
               </a:ln>
               <a:extLst>
                 <a:ext uri="{91240B29-F687-4f45-9708-019B960494DF}">
-                  <a14:hiddenLine xmlns="" xmlns:a14="http://schemas.microsoft.com/office/drawing/2010/main" w="9525">
+                  <a14:hiddenLine xmlns:a14="http://schemas.microsoft.com/office/drawing/2010/main" xmlns="" w="9525">
                     <a:solidFill>
                       <a:srgbClr val="000000"/>
                     </a:solidFill>
@@ -9932,7 +9932,7 @@
               </a:ln>
               <a:extLst>
                 <a:ext uri="{91240B29-F687-4f45-9708-019B960494DF}">
-                  <a14:hiddenLine xmlns="" xmlns:a14="http://schemas.microsoft.com/office/drawing/2010/main" w="9525">
+                  <a14:hiddenLine xmlns:a14="http://schemas.microsoft.com/office/drawing/2010/main" xmlns="" w="9525">
                     <a:solidFill>
                       <a:srgbClr val="000000"/>
                     </a:solidFill>
@@ -10022,7 +10022,7 @@
               </a:ln>
               <a:extLst>
                 <a:ext uri="{91240B29-F687-4f45-9708-019B960494DF}">
-                  <a14:hiddenLine xmlns="" xmlns:a14="http://schemas.microsoft.com/office/drawing/2010/main" w="9525">
+                  <a14:hiddenLine xmlns:a14="http://schemas.microsoft.com/office/drawing/2010/main" xmlns="" w="9525">
                     <a:solidFill>
                       <a:srgbClr val="000000"/>
                     </a:solidFill>
@@ -10084,7 +10084,7 @@
               </a:ln>
               <a:extLst>
                 <a:ext uri="{91240B29-F687-4f45-9708-019B960494DF}">
-                  <a14:hiddenLine xmlns="" xmlns:a14="http://schemas.microsoft.com/office/drawing/2010/main" w="9525">
+                  <a14:hiddenLine xmlns:a14="http://schemas.microsoft.com/office/drawing/2010/main" xmlns="" w="9525">
                     <a:solidFill>
                       <a:srgbClr val="000000"/>
                     </a:solidFill>
@@ -10174,7 +10174,7 @@
               </a:ln>
               <a:extLst>
                 <a:ext uri="{91240B29-F687-4f45-9708-019B960494DF}">
-                  <a14:hiddenLine xmlns="" xmlns:a14="http://schemas.microsoft.com/office/drawing/2010/main" w="9525">
+                  <a14:hiddenLine xmlns:a14="http://schemas.microsoft.com/office/drawing/2010/main" xmlns="" w="9525">
                     <a:solidFill>
                       <a:srgbClr val="000000"/>
                     </a:solidFill>
@@ -10236,7 +10236,7 @@
               </a:ln>
               <a:extLst>
                 <a:ext uri="{91240B29-F687-4f45-9708-019B960494DF}">
-                  <a14:hiddenLine xmlns="" xmlns:a14="http://schemas.microsoft.com/office/drawing/2010/main" w="9525">
+                  <a14:hiddenLine xmlns:a14="http://schemas.microsoft.com/office/drawing/2010/main" xmlns="" w="9525">
                     <a:solidFill>
                       <a:srgbClr val="000000"/>
                     </a:solidFill>
@@ -10298,7 +10298,7 @@
               </a:ln>
               <a:extLst>
                 <a:ext uri="{91240B29-F687-4f45-9708-019B960494DF}">
-                  <a14:hiddenLine xmlns="" xmlns:a14="http://schemas.microsoft.com/office/drawing/2010/main" w="9525">
+                  <a14:hiddenLine xmlns:a14="http://schemas.microsoft.com/office/drawing/2010/main" xmlns="" w="9525">
                     <a:solidFill>
                       <a:srgbClr val="000000"/>
                     </a:solidFill>
@@ -10388,7 +10388,7 @@
               </a:ln>
               <a:extLst>
                 <a:ext uri="{91240B29-F687-4f45-9708-019B960494DF}">
-                  <a14:hiddenLine xmlns="" xmlns:a14="http://schemas.microsoft.com/office/drawing/2010/main" w="9525">
+                  <a14:hiddenLine xmlns:a14="http://schemas.microsoft.com/office/drawing/2010/main" xmlns="" w="9525">
                     <a:solidFill>
                       <a:srgbClr val="000000"/>
                     </a:solidFill>
@@ -10478,7 +10478,7 @@
               </a:ln>
               <a:extLst>
                 <a:ext uri="{91240B29-F687-4f45-9708-019B960494DF}">
-                  <a14:hiddenLine xmlns="" xmlns:a14="http://schemas.microsoft.com/office/drawing/2010/main" w="9525">
+                  <a14:hiddenLine xmlns:a14="http://schemas.microsoft.com/office/drawing/2010/main" xmlns="" w="9525">
                     <a:solidFill>
                       <a:srgbClr val="000000"/>
                     </a:solidFill>
@@ -10540,7 +10540,7 @@
               </a:ln>
               <a:extLst>
                 <a:ext uri="{91240B29-F687-4f45-9708-019B960494DF}">
-                  <a14:hiddenLine xmlns="" xmlns:a14="http://schemas.microsoft.com/office/drawing/2010/main" w="9525">
+                  <a14:hiddenLine xmlns:a14="http://schemas.microsoft.com/office/drawing/2010/main" xmlns="" w="9525">
                     <a:solidFill>
                       <a:srgbClr val="000000"/>
                     </a:solidFill>
@@ -10650,7 +10650,7 @@
               </a:ln>
               <a:extLst>
                 <a:ext uri="{91240B29-F687-4f45-9708-019B960494DF}">
-                  <a14:hiddenLine xmlns="" xmlns:a14="http://schemas.microsoft.com/office/drawing/2010/main" w="9525">
+                  <a14:hiddenLine xmlns:a14="http://schemas.microsoft.com/office/drawing/2010/main" xmlns="" w="9525">
                     <a:solidFill>
                       <a:srgbClr val="000000"/>
                     </a:solidFill>
@@ -10734,7 +10734,7 @@
               </a:ln>
               <a:extLst>
                 <a:ext uri="{91240B29-F687-4f45-9708-019B960494DF}">
-                  <a14:hiddenLine xmlns="" xmlns:a14="http://schemas.microsoft.com/office/drawing/2010/main" w="9525">
+                  <a14:hiddenLine xmlns:a14="http://schemas.microsoft.com/office/drawing/2010/main" xmlns="" w="9525">
                     <a:solidFill>
                       <a:srgbClr val="000000"/>
                     </a:solidFill>
@@ -10796,7 +10796,7 @@
               </a:ln>
               <a:extLst>
                 <a:ext uri="{91240B29-F687-4f45-9708-019B960494DF}">
-                  <a14:hiddenLine xmlns="" xmlns:a14="http://schemas.microsoft.com/office/drawing/2010/main" w="9525">
+                  <a14:hiddenLine xmlns:a14="http://schemas.microsoft.com/office/drawing/2010/main" xmlns="" w="9525">
                     <a:solidFill>
                       <a:srgbClr val="000000"/>
                     </a:solidFill>
@@ -10858,7 +10858,7 @@
               </a:ln>
               <a:extLst>
                 <a:ext uri="{91240B29-F687-4f45-9708-019B960494DF}">
-                  <a14:hiddenLine xmlns="" xmlns:a14="http://schemas.microsoft.com/office/drawing/2010/main" w="9525">
+                  <a14:hiddenLine xmlns:a14="http://schemas.microsoft.com/office/drawing/2010/main" xmlns="" w="9525">
                     <a:solidFill>
                       <a:srgbClr val="000000"/>
                     </a:solidFill>
@@ -10948,7 +10948,7 @@
               </a:ln>
               <a:extLst>
                 <a:ext uri="{91240B29-F687-4f45-9708-019B960494DF}">
-                  <a14:hiddenLine xmlns="" xmlns:a14="http://schemas.microsoft.com/office/drawing/2010/main" w="9525">
+                  <a14:hiddenLine xmlns:a14="http://schemas.microsoft.com/office/drawing/2010/main" xmlns="" w="9525">
                     <a:solidFill>
                       <a:srgbClr val="000000"/>
                     </a:solidFill>
@@ -10982,7 +10982,7 @@
               </a:ln>
               <a:extLst>
                 <a:ext uri="{91240B29-F687-4f45-9708-019B960494DF}">
-                  <a14:hiddenLine xmlns="" xmlns:a14="http://schemas.microsoft.com/office/drawing/2010/main" w="9525">
+                  <a14:hiddenLine xmlns:a14="http://schemas.microsoft.com/office/drawing/2010/main" xmlns="" w="9525">
                     <a:solidFill>
                       <a:srgbClr val="000000"/>
                     </a:solidFill>
@@ -11047,7 +11047,7 @@
               </a:ln>
               <a:extLst>
                 <a:ext uri="{91240B29-F687-4f45-9708-019B960494DF}">
-                  <a14:hiddenLine xmlns="" xmlns:a14="http://schemas.microsoft.com/office/drawing/2010/main" w="9525">
+                  <a14:hiddenLine xmlns:a14="http://schemas.microsoft.com/office/drawing/2010/main" xmlns="" w="9525">
                     <a:solidFill>
                       <a:srgbClr val="000000"/>
                     </a:solidFill>
@@ -11137,7 +11137,7 @@
               </a:ln>
               <a:extLst>
                 <a:ext uri="{91240B29-F687-4f45-9708-019B960494DF}">
-                  <a14:hiddenLine xmlns="" xmlns:a14="http://schemas.microsoft.com/office/drawing/2010/main" w="9525">
+                  <a14:hiddenLine xmlns:a14="http://schemas.microsoft.com/office/drawing/2010/main" xmlns="" w="9525">
                     <a:solidFill>
                       <a:srgbClr val="000000"/>
                     </a:solidFill>
@@ -11199,7 +11199,7 @@
               </a:ln>
               <a:extLst>
                 <a:ext uri="{91240B29-F687-4f45-9708-019B960494DF}">
-                  <a14:hiddenLine xmlns="" xmlns:a14="http://schemas.microsoft.com/office/drawing/2010/main" w="9525">
+                  <a14:hiddenLine xmlns:a14="http://schemas.microsoft.com/office/drawing/2010/main" xmlns="" w="9525">
                     <a:solidFill>
                       <a:srgbClr val="000000"/>
                     </a:solidFill>
@@ -11289,7 +11289,7 @@
               </a:ln>
               <a:extLst>
                 <a:ext uri="{91240B29-F687-4f45-9708-019B960494DF}">
-                  <a14:hiddenLine xmlns="" xmlns:a14="http://schemas.microsoft.com/office/drawing/2010/main" w="9525">
+                  <a14:hiddenLine xmlns:a14="http://schemas.microsoft.com/office/drawing/2010/main" xmlns="" w="9525">
                     <a:solidFill>
                       <a:srgbClr val="000000"/>
                     </a:solidFill>
@@ -11354,7 +11354,7 @@
               </a:ln>
               <a:extLst>
                 <a:ext uri="{91240B29-F687-4f45-9708-019B960494DF}">
-                  <a14:hiddenLine xmlns="" xmlns:a14="http://schemas.microsoft.com/office/drawing/2010/main" w="9525">
+                  <a14:hiddenLine xmlns:a14="http://schemas.microsoft.com/office/drawing/2010/main" xmlns="" w="9525">
                     <a:solidFill>
                       <a:srgbClr val="000000"/>
                     </a:solidFill>
@@ -11416,7 +11416,7 @@
               </a:ln>
               <a:extLst>
                 <a:ext uri="{91240B29-F687-4f45-9708-019B960494DF}">
-                  <a14:hiddenLine xmlns="" xmlns:a14="http://schemas.microsoft.com/office/drawing/2010/main" w="9525">
+                  <a14:hiddenLine xmlns:a14="http://schemas.microsoft.com/office/drawing/2010/main" xmlns="" w="9525">
                     <a:solidFill>
                       <a:srgbClr val="000000"/>
                     </a:solidFill>
@@ -11506,7 +11506,7 @@
               </a:ln>
               <a:extLst>
                 <a:ext uri="{91240B29-F687-4f45-9708-019B960494DF}">
-                  <a14:hiddenLine xmlns="" xmlns:a14="http://schemas.microsoft.com/office/drawing/2010/main" w="9525">
+                  <a14:hiddenLine xmlns:a14="http://schemas.microsoft.com/office/drawing/2010/main" xmlns="" w="9525">
                     <a:solidFill>
                       <a:srgbClr val="000000"/>
                     </a:solidFill>
@@ -11596,7 +11596,7 @@
               </a:ln>
               <a:extLst>
                 <a:ext uri="{91240B29-F687-4f45-9708-019B960494DF}">
-                  <a14:hiddenLine xmlns="" xmlns:a14="http://schemas.microsoft.com/office/drawing/2010/main" w="9525">
+                  <a14:hiddenLine xmlns:a14="http://schemas.microsoft.com/office/drawing/2010/main" xmlns="" w="9525">
                     <a:solidFill>
                       <a:srgbClr val="000000"/>
                     </a:solidFill>
@@ -11661,7 +11661,7 @@
               </a:ln>
               <a:extLst>
                 <a:ext uri="{91240B29-F687-4f45-9708-019B960494DF}">
-                  <a14:hiddenLine xmlns="" xmlns:a14="http://schemas.microsoft.com/office/drawing/2010/main" w="9525">
+                  <a14:hiddenLine xmlns:a14="http://schemas.microsoft.com/office/drawing/2010/main" xmlns="" w="9525">
                     <a:solidFill>
                       <a:srgbClr val="000000"/>
                     </a:solidFill>
@@ -11781,7 +11781,7 @@
               </a:ln>
               <a:extLst>
                 <a:ext uri="{91240B29-F687-4f45-9708-019B960494DF}">
-                  <a14:hiddenLine xmlns="" xmlns:a14="http://schemas.microsoft.com/office/drawing/2010/main" w="9525">
+                  <a14:hiddenLine xmlns:a14="http://schemas.microsoft.com/office/drawing/2010/main" xmlns="" w="9525">
                     <a:solidFill>
                       <a:srgbClr val="000000"/>
                     </a:solidFill>
@@ -11879,7 +11879,7 @@
               </a:ln>
               <a:extLst>
                 <a:ext uri="{91240B29-F687-4f45-9708-019B960494DF}">
-                  <a14:hiddenLine xmlns="" xmlns:a14="http://schemas.microsoft.com/office/drawing/2010/main" w="9525">
+                  <a14:hiddenLine xmlns:a14="http://schemas.microsoft.com/office/drawing/2010/main" xmlns="" w="9525">
                     <a:solidFill>
                       <a:srgbClr val="000000"/>
                     </a:solidFill>
@@ -11994,7 +11994,7 @@
               </a:ln>
               <a:extLst>
                 <a:ext uri="{91240B29-F687-4f45-9708-019B960494DF}">
-                  <a14:hiddenLine xmlns="" xmlns:a14="http://schemas.microsoft.com/office/drawing/2010/main" w="9525">
+                  <a14:hiddenLine xmlns:a14="http://schemas.microsoft.com/office/drawing/2010/main" xmlns="" w="9525">
                     <a:solidFill>
                       <a:srgbClr val="000000"/>
                     </a:solidFill>
@@ -12084,7 +12084,7 @@
               </a:ln>
               <a:extLst>
                 <a:ext uri="{91240B29-F687-4f45-9708-019B960494DF}">
-                  <a14:hiddenLine xmlns="" xmlns:a14="http://schemas.microsoft.com/office/drawing/2010/main" w="9525">
+                  <a14:hiddenLine xmlns:a14="http://schemas.microsoft.com/office/drawing/2010/main" xmlns="" w="9525">
                     <a:solidFill>
                       <a:srgbClr val="000000"/>
                     </a:solidFill>
@@ -12149,7 +12149,7 @@
               </a:ln>
               <a:extLst>
                 <a:ext uri="{91240B29-F687-4f45-9708-019B960494DF}">
-                  <a14:hiddenLine xmlns="" xmlns:a14="http://schemas.microsoft.com/office/drawing/2010/main" w="9525">
+                  <a14:hiddenLine xmlns:a14="http://schemas.microsoft.com/office/drawing/2010/main" xmlns="" w="9525">
                     <a:solidFill>
                       <a:srgbClr val="000000"/>
                     </a:solidFill>
@@ -12239,7 +12239,7 @@
               </a:ln>
               <a:extLst>
                 <a:ext uri="{91240B29-F687-4f45-9708-019B960494DF}">
-                  <a14:hiddenLine xmlns="" xmlns:a14="http://schemas.microsoft.com/office/drawing/2010/main" w="9525">
+                  <a14:hiddenLine xmlns:a14="http://schemas.microsoft.com/office/drawing/2010/main" xmlns="" w="9525">
                     <a:solidFill>
                       <a:srgbClr val="000000"/>
                     </a:solidFill>
@@ -12307,7 +12307,7 @@
               </a:ln>
               <a:extLst>
                 <a:ext uri="{91240B29-F687-4f45-9708-019B960494DF}">
-                  <a14:hiddenLine xmlns="" xmlns:a14="http://schemas.microsoft.com/office/drawing/2010/main" w="9525">
+                  <a14:hiddenLine xmlns:a14="http://schemas.microsoft.com/office/drawing/2010/main" xmlns="" w="9525">
                     <a:solidFill>
                       <a:srgbClr val="000000"/>
                     </a:solidFill>
@@ -12397,7 +12397,7 @@
               </a:ln>
               <a:extLst>
                 <a:ext uri="{91240B29-F687-4f45-9708-019B960494DF}">
-                  <a14:hiddenLine xmlns="" xmlns:a14="http://schemas.microsoft.com/office/drawing/2010/main" w="9525">
+                  <a14:hiddenLine xmlns:a14="http://schemas.microsoft.com/office/drawing/2010/main" xmlns="" w="9525">
                     <a:solidFill>
                       <a:srgbClr val="000000"/>
                     </a:solidFill>
@@ -12465,7 +12465,7 @@
               </a:ln>
               <a:extLst>
                 <a:ext uri="{91240B29-F687-4f45-9708-019B960494DF}">
-                  <a14:hiddenLine xmlns="" xmlns:a14="http://schemas.microsoft.com/office/drawing/2010/main" w="9525">
+                  <a14:hiddenLine xmlns:a14="http://schemas.microsoft.com/office/drawing/2010/main" xmlns="" w="9525">
                     <a:solidFill>
                       <a:srgbClr val="000000"/>
                     </a:solidFill>
@@ -12555,7 +12555,7 @@
               </a:ln>
               <a:extLst>
                 <a:ext uri="{91240B29-F687-4f45-9708-019B960494DF}">
-                  <a14:hiddenLine xmlns="" xmlns:a14="http://schemas.microsoft.com/office/drawing/2010/main" w="9525">
+                  <a14:hiddenLine xmlns:a14="http://schemas.microsoft.com/office/drawing/2010/main" xmlns="" w="9525">
                     <a:solidFill>
                       <a:srgbClr val="000000"/>
                     </a:solidFill>
@@ -12589,7 +12589,7 @@
               </a:ln>
               <a:extLst>
                 <a:ext uri="{91240B29-F687-4f45-9708-019B960494DF}">
-                  <a14:hiddenLine xmlns="" xmlns:a14="http://schemas.microsoft.com/office/drawing/2010/main" w="9525">
+                  <a14:hiddenLine xmlns:a14="http://schemas.microsoft.com/office/drawing/2010/main" xmlns="" w="9525">
                     <a:solidFill>
                       <a:srgbClr val="000000"/>
                     </a:solidFill>
@@ -24465,7 +24465,15 @@
             </a:r>
             <a:r>
               <a:rPr lang="fr-FR" baseline="0" dirty="0"/>
-              <a:t> deux tableaux à 2 dimensions en mémoire, la mémoire peut être limitante si très [grand nombre d’action]</a:t>
+              <a:t> deux tableaux à 2 dimensions en mémoire, la mémoire peut être limitante </a:t>
+            </a:r>
+            <a:r>
+              <a:rPr lang="fr-FR" baseline="0"/>
+              <a:t>si [</a:t>
+            </a:r>
+            <a:r>
+              <a:rPr lang="fr-FR" baseline="0" dirty="0"/>
+              <a:t>grand nombre d’action]</a:t>
             </a:r>
             <a:r>
               <a:rPr lang="fr-FR" dirty="0"/>
